--- a/AWS/AWS_Core_Architecture&Security.pptx
+++ b/AWS/AWS_Core_Architecture&Security.pptx
@@ -835,6 +835,90 @@
 </file>
 
 <file path=ppt/notesSlides/notesSlide4.xml><?xml version="1.0" encoding="utf-8"?>
+<p:notes xmlns:a="http://schemas.openxmlformats.org/drawingml/2006/main" xmlns:r="http://schemas.openxmlformats.org/officeDocument/2006/relationships" xmlns:p="http://schemas.openxmlformats.org/presentationml/2006/main">
+  <p:cSld>
+    <p:spTree>
+      <p:nvGrpSpPr>
+        <p:cNvPr id="1" name=""/>
+        <p:cNvGrpSpPr/>
+        <p:nvPr/>
+      </p:nvGrpSpPr>
+      <p:grpSpPr>
+        <a:xfrm>
+          <a:off x="0" y="0"/>
+          <a:ext cx="0" cy="0"/>
+          <a:chOff x="0" y="0"/>
+          <a:chExt cx="0" cy="0"/>
+        </a:xfrm>
+      </p:grpSpPr>
+      <p:sp>
+        <p:nvSpPr>
+          <p:cNvPr id="2" name="Slide Image Placeholder 1"/>
+          <p:cNvSpPr>
+            <a:spLocks noGrp="1" noRot="1" noChangeAspect="1"/>
+          </p:cNvSpPr>
+          <p:nvPr>
+            <p:ph type="sldImg"/>
+          </p:nvPr>
+        </p:nvSpPr>
+        <p:spPr/>
+      </p:sp>
+      <p:sp>
+        <p:nvSpPr>
+          <p:cNvPr id="3" name="Notes Placeholder 2"/>
+          <p:cNvSpPr>
+            <a:spLocks noGrp="1"/>
+          </p:cNvSpPr>
+          <p:nvPr>
+            <p:ph type="body" idx="1"/>
+          </p:nvPr>
+        </p:nvSpPr>
+        <p:spPr/>
+        <p:txBody>
+          <a:bodyPr/>
+          <a:lstStyle/>
+          <a:p>
+            <a:endParaRPr lang="en-IN" dirty="0"/>
+          </a:p>
+        </p:txBody>
+      </p:sp>
+      <p:sp>
+        <p:nvSpPr>
+          <p:cNvPr id="4" name="Slide Number Placeholder 3"/>
+          <p:cNvSpPr>
+            <a:spLocks noGrp="1"/>
+          </p:cNvSpPr>
+          <p:nvPr>
+            <p:ph type="sldNum" sz="quarter" idx="5"/>
+          </p:nvPr>
+        </p:nvSpPr>
+        <p:spPr/>
+        <p:txBody>
+          <a:bodyPr/>
+          <a:lstStyle/>
+          <a:p>
+            <a:fld id="{CA111B5C-0485-4D3A-8470-D55704130FA2}" type="slidenum">
+              <a:rPr lang="en-IN" smtClean="0"/>
+              <a:t>5</a:t>
+            </a:fld>
+            <a:endParaRPr lang="en-IN"/>
+          </a:p>
+        </p:txBody>
+      </p:sp>
+    </p:spTree>
+    <p:extLst>
+      <p:ext uri="{BB962C8B-B14F-4D97-AF65-F5344CB8AC3E}">
+        <p14:creationId xmlns:p14="http://schemas.microsoft.com/office/powerpoint/2010/main" val="1442550402"/>
+      </p:ext>
+    </p:extLst>
+  </p:cSld>
+  <p:clrMapOvr>
+    <a:masterClrMapping/>
+  </p:clrMapOvr>
+</p:notes>
+</file>
+
+<file path=ppt/notesSlides/notesSlide5.xml><?xml version="1.0" encoding="utf-8"?>
 <p:notes xmlns:a="http://schemas.openxmlformats.org/drawingml/2006/main" xmlns:r="http://schemas.openxmlformats.org/officeDocument/2006/relationships" xmlns:p="http://schemas.openxmlformats.org/presentationml/2006/main">
   <p:cSld>
     <p:spTree>
@@ -6112,7 +6196,7 @@
             </a:br>
             <a:r>
               <a:rPr lang="en-US" sz="1600" i="1" dirty="0"/>
-              <a:t>(e.g., Lambda, DynamoDB, S3 - AWS secures the underlying OS, runtime, and infrastructure)</a:t>
+              <a:t>(e.g., Lambda, DynamoDB, S3, RDS - AWS secures the underlying OS, runtime, and infrastructure)</a:t>
             </a:r>
           </a:p>
           <a:p>
@@ -6856,7 +6940,7 @@
           <p:nvPr>
             <p:extLst>
               <p:ext uri="{D42A27DB-BD31-4B8C-83A1-F6EECF244321}">
-                <p14:modId xmlns:p14="http://schemas.microsoft.com/office/powerpoint/2010/main" val="946294730"/>
+                <p14:modId xmlns:p14="http://schemas.microsoft.com/office/powerpoint/2010/main" val="3847960246"/>
               </p:ext>
             </p:extLst>
           </p:nvPr>
@@ -6879,21 +6963,21 @@
                     </a:ext>
                   </a:extLst>
                 </a:gridCol>
-                <a:gridCol w="1746966">
+                <a:gridCol w="2181183">
                   <a:extLst>
                     <a:ext uri="{9D8B030D-6E8A-4147-A177-3AD203B41FA5}">
                       <a16:colId xmlns:a16="http://schemas.microsoft.com/office/drawing/2014/main" val="163191153"/>
                     </a:ext>
                   </a:extLst>
                 </a:gridCol>
-                <a:gridCol w="2267263">
+                <a:gridCol w="2340864">
                   <a:extLst>
                     <a:ext uri="{9D8B030D-6E8A-4147-A177-3AD203B41FA5}">
                       <a16:colId xmlns:a16="http://schemas.microsoft.com/office/drawing/2014/main" val="3805094950"/>
                     </a:ext>
                   </a:extLst>
                 </a:gridCol>
-                <a:gridCol w="2517322">
+                <a:gridCol w="2009504">
                   <a:extLst>
                     <a:ext uri="{9D8B030D-6E8A-4147-A177-3AD203B41FA5}">
                       <a16:colId xmlns:a16="http://schemas.microsoft.com/office/drawing/2014/main" val="3158773680"/>
@@ -7241,7 +7325,10 @@
                     <a:bodyPr/>
                     <a:lstStyle/>
                     <a:p>
-                      <a:endParaRPr lang="en-IN" dirty="0"/>
+                      <a:r>
+                        <a:rPr lang="en-IN" dirty="0"/>
+                        <a:t>AWS</a:t>
+                      </a:r>
                     </a:p>
                   </a:txBody>
                   <a:tcPr anchor="ctr">
@@ -7490,7 +7577,10 @@
                     <a:bodyPr/>
                     <a:lstStyle/>
                     <a:p>
-                      <a:endParaRPr lang="en-IN" dirty="0"/>
+                      <a:r>
+                        <a:rPr lang="en-IN" dirty="0"/>
+                        <a:t>Customer</a:t>
+                      </a:r>
                     </a:p>
                   </a:txBody>
                   <a:tcPr anchor="ctr">
@@ -7645,7 +7735,10 @@
                     <a:bodyPr/>
                     <a:lstStyle/>
                     <a:p>
-                      <a:endParaRPr lang="en-IN" dirty="0"/>
+                      <a:r>
+                        <a:rPr lang="en-IN" dirty="0"/>
+                        <a:t>AWS</a:t>
+                      </a:r>
                     </a:p>
                   </a:txBody>
                   <a:tcPr anchor="ctr">
@@ -7894,7 +7987,10 @@
                     <a:bodyPr/>
                     <a:lstStyle/>
                     <a:p>
-                      <a:endParaRPr lang="en-IN" dirty="0"/>
+                      <a:r>
+                        <a:rPr lang="en-IN" dirty="0"/>
+                        <a:t>Customer</a:t>
+                      </a:r>
                     </a:p>
                   </a:txBody>
                   <a:tcPr anchor="ctr">
@@ -8143,7 +8239,10 @@
                     <a:bodyPr/>
                     <a:lstStyle/>
                     <a:p>
-                      <a:endParaRPr lang="en-IN" dirty="0"/>
+                      <a:r>
+                        <a:rPr lang="en-IN" dirty="0"/>
+                        <a:t>Shared</a:t>
+                      </a:r>
                     </a:p>
                   </a:txBody>
                   <a:tcPr anchor="ctr">
@@ -8298,7 +8397,10 @@
                     <a:bodyPr/>
                     <a:lstStyle/>
                     <a:p>
-                      <a:endParaRPr lang="en-IN" dirty="0"/>
+                      <a:r>
+                        <a:rPr lang="en-IN" dirty="0"/>
+                        <a:t>Customer</a:t>
+                      </a:r>
                     </a:p>
                   </a:txBody>
                   <a:tcPr anchor="ctr">
@@ -11284,8 +11386,13 @@
             </a:pPr>
             <a:r>
               <a:rPr lang="en-US" sz="1600" dirty="0"/>
-              <a:t>Reserved Instances / Savings Plans</a:t>
-            </a:r>
+              <a:t>Reserved Instances / Savings Plans / </a:t>
+            </a:r>
+            <a:r>
+              <a:rPr lang="en-US" sz="1600"/>
+              <a:t>Spot Instances</a:t>
+            </a:r>
+            <a:endParaRPr lang="en-US" sz="1600" dirty="0"/>
           </a:p>
           <a:p>
             <a:pPr marL="285750" indent="-285750">
